--- a/content/3-cc310/10-sets/02-sets-in-code-slides.pptx
+++ b/content/3-cc310/10-sets/02-sets-in-code-slides.pptx
@@ -12964,7 +12964,7 @@
                 <a:ea typeface="Calibri" panose="020F0502020204030204" pitchFamily="34" charset="0"/>
                 <a:cs typeface="Times New Roman" panose="02020603050405020304" pitchFamily="18" charset="0"/>
               </a:rPr>
-              <a:t>function intersection(set1, set2) returns set</a:t>
+              <a:t>function intersection(set2) returns set</a:t>
             </a:r>
           </a:p>
           <a:p>
@@ -13022,7 +13022,23 @@
                 <a:ea typeface="Calibri" panose="020F0502020204030204" pitchFamily="34" charset="0"/>
                 <a:cs typeface="Times New Roman" panose="02020603050405020304" pitchFamily="18" charset="0"/>
               </a:rPr>
-              <a:t>	set1.reset()</a:t>
+              <a:t>	</a:t>
+            </a:r>
+            <a:r>
+              <a:rPr lang="en-US" sz="2000" dirty="0" err="1">
+                <a:latin typeface="Consolas" panose="020B0609020204030204" pitchFamily="49" charset="0"/>
+                <a:ea typeface="Calibri" panose="020F0502020204030204" pitchFamily="34" charset="0"/>
+                <a:cs typeface="Times New Roman" panose="02020603050405020304" pitchFamily="18" charset="0"/>
+              </a:rPr>
+              <a:t>mySet.reset</a:t>
+            </a:r>
+            <a:r>
+              <a:rPr lang="en-US" sz="2000" dirty="0">
+                <a:latin typeface="Consolas" panose="020B0609020204030204" pitchFamily="49" charset="0"/>
+                <a:ea typeface="Calibri" panose="020F0502020204030204" pitchFamily="34" charset="0"/>
+                <a:cs typeface="Times New Roman" panose="02020603050405020304" pitchFamily="18" charset="0"/>
+              </a:rPr>
+              <a:t>()</a:t>
             </a:r>
           </a:p>
           <a:p>
@@ -13051,7 +13067,23 @@
                 <a:ea typeface="Calibri" panose="020F0502020204030204" pitchFamily="34" charset="0"/>
                 <a:cs typeface="Times New Roman" panose="02020603050405020304" pitchFamily="18" charset="0"/>
               </a:rPr>
-              <a:t>	obj = set1.getNext()</a:t>
+              <a:t>	obj = </a:t>
+            </a:r>
+            <a:r>
+              <a:rPr lang="en-US" sz="2000" dirty="0" err="1">
+                <a:latin typeface="Consolas" panose="020B0609020204030204" pitchFamily="49" charset="0"/>
+                <a:ea typeface="Calibri" panose="020F0502020204030204" pitchFamily="34" charset="0"/>
+                <a:cs typeface="Times New Roman" panose="02020603050405020304" pitchFamily="18" charset="0"/>
+              </a:rPr>
+              <a:t>mySet.getNext</a:t>
+            </a:r>
+            <a:r>
+              <a:rPr lang="en-US" sz="2000" dirty="0">
+                <a:latin typeface="Consolas" panose="020B0609020204030204" pitchFamily="49" charset="0"/>
+                <a:ea typeface="Calibri" panose="020F0502020204030204" pitchFamily="34" charset="0"/>
+                <a:cs typeface="Times New Roman" panose="02020603050405020304" pitchFamily="18" charset="0"/>
+              </a:rPr>
+              <a:t>()</a:t>
             </a:r>
           </a:p>
           <a:p>
@@ -13109,7 +13141,7 @@
                 <a:ea typeface="Calibri" panose="020F0502020204030204" pitchFamily="34" charset="0"/>
                 <a:cs typeface="Times New Roman" panose="02020603050405020304" pitchFamily="18" charset="0"/>
               </a:rPr>
-              <a:t>		if (set2.contains(data))</a:t>
+              <a:t>		if (set2.contains(obj))</a:t>
             </a:r>
           </a:p>
           <a:p>
@@ -13183,7 +13215,23 @@
                 <a:ea typeface="Calibri" panose="020F0502020204030204" pitchFamily="34" charset="0"/>
                 <a:cs typeface="Times New Roman" panose="02020603050405020304" pitchFamily="18" charset="0"/>
               </a:rPr>
-              <a:t>		obj = set1.getNext()</a:t>
+              <a:t>		obj = </a:t>
+            </a:r>
+            <a:r>
+              <a:rPr lang="en-US" sz="2000" dirty="0" err="1">
+                <a:latin typeface="Consolas" panose="020B0609020204030204" pitchFamily="49" charset="0"/>
+                <a:ea typeface="Calibri" panose="020F0502020204030204" pitchFamily="34" charset="0"/>
+                <a:cs typeface="Times New Roman" panose="02020603050405020304" pitchFamily="18" charset="0"/>
+              </a:rPr>
+              <a:t>mySet.getNext</a:t>
+            </a:r>
+            <a:r>
+              <a:rPr lang="en-US" sz="2000" dirty="0">
+                <a:latin typeface="Consolas" panose="020B0609020204030204" pitchFamily="49" charset="0"/>
+                <a:ea typeface="Calibri" panose="020F0502020204030204" pitchFamily="34" charset="0"/>
+                <a:cs typeface="Times New Roman" panose="02020603050405020304" pitchFamily="18" charset="0"/>
+              </a:rPr>
+              <a:t>()</a:t>
             </a:r>
           </a:p>
           <a:p>
@@ -14576,7 +14624,7 @@
                 <a:ea typeface="Calibri" panose="020F0502020204030204" pitchFamily="34" charset="0"/>
                 <a:cs typeface="Times New Roman" panose="02020603050405020304" pitchFamily="18" charset="0"/>
               </a:rPr>
-              <a:t>function intersection(set1, set2) returns set</a:t>
+              <a:t>function intersection(set2) returns set</a:t>
             </a:r>
           </a:p>
           <a:p>
@@ -14634,7 +14682,23 @@
                 <a:ea typeface="Calibri" panose="020F0502020204030204" pitchFamily="34" charset="0"/>
                 <a:cs typeface="Times New Roman" panose="02020603050405020304" pitchFamily="18" charset="0"/>
               </a:rPr>
-              <a:t>	set1.reset()</a:t>
+              <a:t>	</a:t>
+            </a:r>
+            <a:r>
+              <a:rPr lang="en-US" sz="2000" dirty="0" err="1">
+                <a:latin typeface="Consolas" panose="020B0609020204030204" pitchFamily="49" charset="0"/>
+                <a:ea typeface="Calibri" panose="020F0502020204030204" pitchFamily="34" charset="0"/>
+                <a:cs typeface="Times New Roman" panose="02020603050405020304" pitchFamily="18" charset="0"/>
+              </a:rPr>
+              <a:t>mySet.reset</a:t>
+            </a:r>
+            <a:r>
+              <a:rPr lang="en-US" sz="2000" dirty="0">
+                <a:latin typeface="Consolas" panose="020B0609020204030204" pitchFamily="49" charset="0"/>
+                <a:ea typeface="Calibri" panose="020F0502020204030204" pitchFamily="34" charset="0"/>
+                <a:cs typeface="Times New Roman" panose="02020603050405020304" pitchFamily="18" charset="0"/>
+              </a:rPr>
+              <a:t>()</a:t>
             </a:r>
           </a:p>
           <a:p>
@@ -14663,7 +14727,23 @@
                 <a:ea typeface="Calibri" panose="020F0502020204030204" pitchFamily="34" charset="0"/>
                 <a:cs typeface="Times New Roman" panose="02020603050405020304" pitchFamily="18" charset="0"/>
               </a:rPr>
-              <a:t>	obj = set1.getNext()</a:t>
+              <a:t>	obj = </a:t>
+            </a:r>
+            <a:r>
+              <a:rPr lang="en-US" sz="2000" dirty="0" err="1">
+                <a:latin typeface="Consolas" panose="020B0609020204030204" pitchFamily="49" charset="0"/>
+                <a:ea typeface="Calibri" panose="020F0502020204030204" pitchFamily="34" charset="0"/>
+                <a:cs typeface="Times New Roman" panose="02020603050405020304" pitchFamily="18" charset="0"/>
+              </a:rPr>
+              <a:t>mySet.getNext</a:t>
+            </a:r>
+            <a:r>
+              <a:rPr lang="en-US" sz="2000" dirty="0">
+                <a:latin typeface="Consolas" panose="020B0609020204030204" pitchFamily="49" charset="0"/>
+                <a:ea typeface="Calibri" panose="020F0502020204030204" pitchFamily="34" charset="0"/>
+                <a:cs typeface="Times New Roman" panose="02020603050405020304" pitchFamily="18" charset="0"/>
+              </a:rPr>
+              <a:t>()</a:t>
             </a:r>
           </a:p>
           <a:p>
@@ -14795,7 +14875,23 @@
                 <a:ea typeface="Calibri" panose="020F0502020204030204" pitchFamily="34" charset="0"/>
                 <a:cs typeface="Times New Roman" panose="02020603050405020304" pitchFamily="18" charset="0"/>
               </a:rPr>
-              <a:t>		obj = set1.getNext()</a:t>
+              <a:t>		obj = </a:t>
+            </a:r>
+            <a:r>
+              <a:rPr lang="en-US" sz="2000" dirty="0" err="1">
+                <a:latin typeface="Consolas" panose="020B0609020204030204" pitchFamily="49" charset="0"/>
+                <a:ea typeface="Calibri" panose="020F0502020204030204" pitchFamily="34" charset="0"/>
+                <a:cs typeface="Times New Roman" panose="02020603050405020304" pitchFamily="18" charset="0"/>
+              </a:rPr>
+              <a:t>mySet.getNext</a:t>
+            </a:r>
+            <a:r>
+              <a:rPr lang="en-US" sz="2000" dirty="0">
+                <a:latin typeface="Consolas" panose="020B0609020204030204" pitchFamily="49" charset="0"/>
+                <a:ea typeface="Calibri" panose="020F0502020204030204" pitchFamily="34" charset="0"/>
+                <a:cs typeface="Times New Roman" panose="02020603050405020304" pitchFamily="18" charset="0"/>
+              </a:rPr>
+              <a:t>()</a:t>
             </a:r>
           </a:p>
           <a:p>
@@ -16188,7 +16284,7 @@
                 <a:ea typeface="Calibri" panose="020F0502020204030204" pitchFamily="34" charset="0"/>
                 <a:cs typeface="Times New Roman" panose="02020603050405020304" pitchFamily="18" charset="0"/>
               </a:rPr>
-              <a:t>function intersection(set1, set2) returns set</a:t>
+              <a:t>function intersection(set2) returns set</a:t>
             </a:r>
           </a:p>
           <a:p>
@@ -16246,7 +16342,23 @@
                 <a:ea typeface="Calibri" panose="020F0502020204030204" pitchFamily="34" charset="0"/>
                 <a:cs typeface="Times New Roman" panose="02020603050405020304" pitchFamily="18" charset="0"/>
               </a:rPr>
-              <a:t>	set1.reset()</a:t>
+              <a:t>	</a:t>
+            </a:r>
+            <a:r>
+              <a:rPr lang="en-US" sz="2000" dirty="0" err="1">
+                <a:latin typeface="Consolas" panose="020B0609020204030204" pitchFamily="49" charset="0"/>
+                <a:ea typeface="Calibri" panose="020F0502020204030204" pitchFamily="34" charset="0"/>
+                <a:cs typeface="Times New Roman" panose="02020603050405020304" pitchFamily="18" charset="0"/>
+              </a:rPr>
+              <a:t>mySet.reset</a:t>
+            </a:r>
+            <a:r>
+              <a:rPr lang="en-US" sz="2000" dirty="0">
+                <a:latin typeface="Consolas" panose="020B0609020204030204" pitchFamily="49" charset="0"/>
+                <a:ea typeface="Calibri" panose="020F0502020204030204" pitchFamily="34" charset="0"/>
+                <a:cs typeface="Times New Roman" panose="02020603050405020304" pitchFamily="18" charset="0"/>
+              </a:rPr>
+              <a:t>()</a:t>
             </a:r>
           </a:p>
           <a:p>
@@ -16275,7 +16387,23 @@
                 <a:ea typeface="Calibri" panose="020F0502020204030204" pitchFamily="34" charset="0"/>
                 <a:cs typeface="Times New Roman" panose="02020603050405020304" pitchFamily="18" charset="0"/>
               </a:rPr>
-              <a:t>	obj = set1.getNext()</a:t>
+              <a:t>	obj = </a:t>
+            </a:r>
+            <a:r>
+              <a:rPr lang="en-US" sz="2000" dirty="0" err="1">
+                <a:latin typeface="Consolas" panose="020B0609020204030204" pitchFamily="49" charset="0"/>
+                <a:ea typeface="Calibri" panose="020F0502020204030204" pitchFamily="34" charset="0"/>
+                <a:cs typeface="Times New Roman" panose="02020603050405020304" pitchFamily="18" charset="0"/>
+              </a:rPr>
+              <a:t>mySet.getNext</a:t>
+            </a:r>
+            <a:r>
+              <a:rPr lang="en-US" sz="2000" dirty="0">
+                <a:latin typeface="Consolas" panose="020B0609020204030204" pitchFamily="49" charset="0"/>
+                <a:ea typeface="Calibri" panose="020F0502020204030204" pitchFamily="34" charset="0"/>
+                <a:cs typeface="Times New Roman" panose="02020603050405020304" pitchFamily="18" charset="0"/>
+              </a:rPr>
+              <a:t>()</a:t>
             </a:r>
           </a:p>
           <a:p>
@@ -16333,7 +16461,7 @@
                 <a:ea typeface="Calibri" panose="020F0502020204030204" pitchFamily="34" charset="0"/>
                 <a:cs typeface="Times New Roman" panose="02020603050405020304" pitchFamily="18" charset="0"/>
               </a:rPr>
-              <a:t>		if (set2.contains(data))</a:t>
+              <a:t>		if (set2.contains(obj))</a:t>
             </a:r>
           </a:p>
           <a:p>
@@ -16407,7 +16535,23 @@
                 <a:ea typeface="Calibri" panose="020F0502020204030204" pitchFamily="34" charset="0"/>
                 <a:cs typeface="Times New Roman" panose="02020603050405020304" pitchFamily="18" charset="0"/>
               </a:rPr>
-              <a:t>		obj = set1.getNext()</a:t>
+              <a:t>		obj = </a:t>
+            </a:r>
+            <a:r>
+              <a:rPr lang="en-US" sz="2000" dirty="0" err="1">
+                <a:latin typeface="Consolas" panose="020B0609020204030204" pitchFamily="49" charset="0"/>
+                <a:ea typeface="Calibri" panose="020F0502020204030204" pitchFamily="34" charset="0"/>
+                <a:cs typeface="Times New Roman" panose="02020603050405020304" pitchFamily="18" charset="0"/>
+              </a:rPr>
+              <a:t>mySet.getNext</a:t>
+            </a:r>
+            <a:r>
+              <a:rPr lang="en-US" sz="2000" dirty="0">
+                <a:latin typeface="Consolas" panose="020B0609020204030204" pitchFamily="49" charset="0"/>
+                <a:ea typeface="Calibri" panose="020F0502020204030204" pitchFamily="34" charset="0"/>
+                <a:cs typeface="Times New Roman" panose="02020603050405020304" pitchFamily="18" charset="0"/>
+              </a:rPr>
+              <a:t>()</a:t>
             </a:r>
           </a:p>
           <a:p>
@@ -17808,7 +17952,7 @@
                 <a:ea typeface="Calibri" panose="020F0502020204030204" pitchFamily="34" charset="0"/>
                 <a:cs typeface="Times New Roman" panose="02020603050405020304" pitchFamily="18" charset="0"/>
               </a:rPr>
-              <a:t>function union(set1, set2) returns set</a:t>
+              <a:t>function union(set2) returns set</a:t>
             </a:r>
           </a:p>
           <a:p>
@@ -17866,7 +18010,23 @@
                 <a:ea typeface="Calibri" panose="020F0502020204030204" pitchFamily="34" charset="0"/>
                 <a:cs typeface="Times New Roman" panose="02020603050405020304" pitchFamily="18" charset="0"/>
               </a:rPr>
-              <a:t>	set1.reset()</a:t>
+              <a:t>	</a:t>
+            </a:r>
+            <a:r>
+              <a:rPr lang="en-US" sz="2000" dirty="0" err="1">
+                <a:latin typeface="Consolas" panose="020B0609020204030204" pitchFamily="49" charset="0"/>
+                <a:ea typeface="Calibri" panose="020F0502020204030204" pitchFamily="34" charset="0"/>
+                <a:cs typeface="Times New Roman" panose="02020603050405020304" pitchFamily="18" charset="0"/>
+              </a:rPr>
+              <a:t>mySet.reset</a:t>
+            </a:r>
+            <a:r>
+              <a:rPr lang="en-US" sz="2000" dirty="0">
+                <a:latin typeface="Consolas" panose="020B0609020204030204" pitchFamily="49" charset="0"/>
+                <a:ea typeface="Calibri" panose="020F0502020204030204" pitchFamily="34" charset="0"/>
+                <a:cs typeface="Times New Roman" panose="02020603050405020304" pitchFamily="18" charset="0"/>
+              </a:rPr>
+              <a:t>()</a:t>
             </a:r>
           </a:p>
           <a:p>
@@ -17895,7 +18055,23 @@
                 <a:ea typeface="Calibri" panose="020F0502020204030204" pitchFamily="34" charset="0"/>
                 <a:cs typeface="Times New Roman" panose="02020603050405020304" pitchFamily="18" charset="0"/>
               </a:rPr>
-              <a:t>	obj = set1.getNext()</a:t>
+              <a:t>	obj = </a:t>
+            </a:r>
+            <a:r>
+              <a:rPr lang="en-US" sz="2000" dirty="0" err="1">
+                <a:latin typeface="Consolas" panose="020B0609020204030204" pitchFamily="49" charset="0"/>
+                <a:ea typeface="Calibri" panose="020F0502020204030204" pitchFamily="34" charset="0"/>
+                <a:cs typeface="Times New Roman" panose="02020603050405020304" pitchFamily="18" charset="0"/>
+              </a:rPr>
+              <a:t>mySet.getNext</a:t>
+            </a:r>
+            <a:r>
+              <a:rPr lang="en-US" sz="2000" dirty="0">
+                <a:latin typeface="Consolas" panose="020B0609020204030204" pitchFamily="49" charset="0"/>
+                <a:ea typeface="Calibri" panose="020F0502020204030204" pitchFamily="34" charset="0"/>
+                <a:cs typeface="Times New Roman" panose="02020603050405020304" pitchFamily="18" charset="0"/>
+              </a:rPr>
+              <a:t>()</a:t>
             </a:r>
           </a:p>
           <a:p>
@@ -17998,7 +18174,23 @@
                 <a:ea typeface="Calibri" panose="020F0502020204030204" pitchFamily="34" charset="0"/>
                 <a:cs typeface="Times New Roman" panose="02020603050405020304" pitchFamily="18" charset="0"/>
               </a:rPr>
-              <a:t>		obj = set1.getNext()</a:t>
+              <a:t>		obj = </a:t>
+            </a:r>
+            <a:r>
+              <a:rPr lang="en-US" sz="2000" dirty="0" err="1">
+                <a:latin typeface="Consolas" panose="020B0609020204030204" pitchFamily="49" charset="0"/>
+                <a:ea typeface="Calibri" panose="020F0502020204030204" pitchFamily="34" charset="0"/>
+                <a:cs typeface="Times New Roman" panose="02020603050405020304" pitchFamily="18" charset="0"/>
+              </a:rPr>
+              <a:t>mySet.getNext</a:t>
+            </a:r>
+            <a:r>
+              <a:rPr lang="en-US" sz="2000" dirty="0">
+                <a:latin typeface="Consolas" panose="020B0609020204030204" pitchFamily="49" charset="0"/>
+                <a:ea typeface="Calibri" panose="020F0502020204030204" pitchFamily="34" charset="0"/>
+                <a:cs typeface="Times New Roman" panose="02020603050405020304" pitchFamily="18" charset="0"/>
+              </a:rPr>
+              <a:t>()</a:t>
             </a:r>
           </a:p>
           <a:p>
@@ -19589,7 +19781,7 @@
                 <a:ea typeface="Calibri" panose="020F0502020204030204" pitchFamily="34" charset="0"/>
                 <a:cs typeface="Times New Roman" panose="02020603050405020304" pitchFamily="18" charset="0"/>
               </a:rPr>
-              <a:t>function union(set1, set2) returns set</a:t>
+              <a:t>function union(set2) returns set</a:t>
             </a:r>
           </a:p>
           <a:p>
@@ -19647,7 +19839,23 @@
                 <a:ea typeface="Calibri" panose="020F0502020204030204" pitchFamily="34" charset="0"/>
                 <a:cs typeface="Times New Roman" panose="02020603050405020304" pitchFamily="18" charset="0"/>
               </a:rPr>
-              <a:t>	set1.reset()</a:t>
+              <a:t>	</a:t>
+            </a:r>
+            <a:r>
+              <a:rPr lang="en-US" sz="2000" dirty="0" err="1">
+                <a:latin typeface="Consolas" panose="020B0609020204030204" pitchFamily="49" charset="0"/>
+                <a:ea typeface="Calibri" panose="020F0502020204030204" pitchFamily="34" charset="0"/>
+                <a:cs typeface="Times New Roman" panose="02020603050405020304" pitchFamily="18" charset="0"/>
+              </a:rPr>
+              <a:t>mySet.reset</a:t>
+            </a:r>
+            <a:r>
+              <a:rPr lang="en-US" sz="2000" dirty="0">
+                <a:latin typeface="Consolas" panose="020B0609020204030204" pitchFamily="49" charset="0"/>
+                <a:ea typeface="Calibri" panose="020F0502020204030204" pitchFamily="34" charset="0"/>
+                <a:cs typeface="Times New Roman" panose="02020603050405020304" pitchFamily="18" charset="0"/>
+              </a:rPr>
+              <a:t>()</a:t>
             </a:r>
           </a:p>
           <a:p>
@@ -19676,7 +19884,23 @@
                 <a:ea typeface="Calibri" panose="020F0502020204030204" pitchFamily="34" charset="0"/>
                 <a:cs typeface="Times New Roman" panose="02020603050405020304" pitchFamily="18" charset="0"/>
               </a:rPr>
-              <a:t>	obj = set1.getNext()</a:t>
+              <a:t>	obj = </a:t>
+            </a:r>
+            <a:r>
+              <a:rPr lang="en-US" sz="2000" dirty="0" err="1">
+                <a:latin typeface="Consolas" panose="020B0609020204030204" pitchFamily="49" charset="0"/>
+                <a:ea typeface="Calibri" panose="020F0502020204030204" pitchFamily="34" charset="0"/>
+                <a:cs typeface="Times New Roman" panose="02020603050405020304" pitchFamily="18" charset="0"/>
+              </a:rPr>
+              <a:t>mySet.getNext</a:t>
+            </a:r>
+            <a:r>
+              <a:rPr lang="en-US" sz="2000" dirty="0">
+                <a:latin typeface="Consolas" panose="020B0609020204030204" pitchFamily="49" charset="0"/>
+                <a:ea typeface="Calibri" panose="020F0502020204030204" pitchFamily="34" charset="0"/>
+                <a:cs typeface="Times New Roman" panose="02020603050405020304" pitchFamily="18" charset="0"/>
+              </a:rPr>
+              <a:t>()</a:t>
             </a:r>
           </a:p>
           <a:p>
@@ -19779,7 +20003,23 @@
                 <a:ea typeface="Calibri" panose="020F0502020204030204" pitchFamily="34" charset="0"/>
                 <a:cs typeface="Times New Roman" panose="02020603050405020304" pitchFamily="18" charset="0"/>
               </a:rPr>
-              <a:t>		obj = set1.getNext()</a:t>
+              <a:t>		obj = </a:t>
+            </a:r>
+            <a:r>
+              <a:rPr lang="en-US" sz="2000" dirty="0" err="1">
+                <a:latin typeface="Consolas" panose="020B0609020204030204" pitchFamily="49" charset="0"/>
+                <a:ea typeface="Calibri" panose="020F0502020204030204" pitchFamily="34" charset="0"/>
+                <a:cs typeface="Times New Roman" panose="02020603050405020304" pitchFamily="18" charset="0"/>
+              </a:rPr>
+              <a:t>mySet.getNext</a:t>
+            </a:r>
+            <a:r>
+              <a:rPr lang="en-US" sz="2000" dirty="0">
+                <a:latin typeface="Consolas" panose="020B0609020204030204" pitchFamily="49" charset="0"/>
+                <a:ea typeface="Calibri" panose="020F0502020204030204" pitchFamily="34" charset="0"/>
+                <a:cs typeface="Times New Roman" panose="02020603050405020304" pitchFamily="18" charset="0"/>
+              </a:rPr>
+              <a:t>()</a:t>
             </a:r>
           </a:p>
           <a:p>
@@ -21370,7 +21610,7 @@
                 <a:ea typeface="Calibri" panose="020F0502020204030204" pitchFamily="34" charset="0"/>
                 <a:cs typeface="Times New Roman" panose="02020603050405020304" pitchFamily="18" charset="0"/>
               </a:rPr>
-              <a:t>function union(set1, set2) returns set</a:t>
+              <a:t>function union(set2) returns set</a:t>
             </a:r>
           </a:p>
           <a:p>
@@ -21428,7 +21668,23 @@
                 <a:ea typeface="Calibri" panose="020F0502020204030204" pitchFamily="34" charset="0"/>
                 <a:cs typeface="Times New Roman" panose="02020603050405020304" pitchFamily="18" charset="0"/>
               </a:rPr>
-              <a:t>	set1.reset()</a:t>
+              <a:t>	</a:t>
+            </a:r>
+            <a:r>
+              <a:rPr lang="en-US" sz="2000" dirty="0" err="1">
+                <a:latin typeface="Consolas" panose="020B0609020204030204" pitchFamily="49" charset="0"/>
+                <a:ea typeface="Calibri" panose="020F0502020204030204" pitchFamily="34" charset="0"/>
+                <a:cs typeface="Times New Roman" panose="02020603050405020304" pitchFamily="18" charset="0"/>
+              </a:rPr>
+              <a:t>mySet.reset</a:t>
+            </a:r>
+            <a:r>
+              <a:rPr lang="en-US" sz="2000" dirty="0">
+                <a:latin typeface="Consolas" panose="020B0609020204030204" pitchFamily="49" charset="0"/>
+                <a:ea typeface="Calibri" panose="020F0502020204030204" pitchFamily="34" charset="0"/>
+                <a:cs typeface="Times New Roman" panose="02020603050405020304" pitchFamily="18" charset="0"/>
+              </a:rPr>
+              <a:t>()</a:t>
             </a:r>
           </a:p>
           <a:p>
@@ -21457,7 +21713,23 @@
                 <a:ea typeface="Calibri" panose="020F0502020204030204" pitchFamily="34" charset="0"/>
                 <a:cs typeface="Times New Roman" panose="02020603050405020304" pitchFamily="18" charset="0"/>
               </a:rPr>
-              <a:t>	obj = set1.getNext()</a:t>
+              <a:t>	obj = </a:t>
+            </a:r>
+            <a:r>
+              <a:rPr lang="en-US" sz="2000" dirty="0" err="1">
+                <a:latin typeface="Consolas" panose="020B0609020204030204" pitchFamily="49" charset="0"/>
+                <a:ea typeface="Calibri" panose="020F0502020204030204" pitchFamily="34" charset="0"/>
+                <a:cs typeface="Times New Roman" panose="02020603050405020304" pitchFamily="18" charset="0"/>
+              </a:rPr>
+              <a:t>mySet.getNext</a:t>
+            </a:r>
+            <a:r>
+              <a:rPr lang="en-US" sz="2000" dirty="0">
+                <a:latin typeface="Consolas" panose="020B0609020204030204" pitchFamily="49" charset="0"/>
+                <a:ea typeface="Calibri" panose="020F0502020204030204" pitchFamily="34" charset="0"/>
+                <a:cs typeface="Times New Roman" panose="02020603050405020304" pitchFamily="18" charset="0"/>
+              </a:rPr>
+              <a:t>()</a:t>
             </a:r>
           </a:p>
           <a:p>
@@ -21560,7 +21832,23 @@
                 <a:ea typeface="Calibri" panose="020F0502020204030204" pitchFamily="34" charset="0"/>
                 <a:cs typeface="Times New Roman" panose="02020603050405020304" pitchFamily="18" charset="0"/>
               </a:rPr>
-              <a:t>		obj = set1.getNext()</a:t>
+              <a:t>		obj = </a:t>
+            </a:r>
+            <a:r>
+              <a:rPr lang="en-US" sz="2000" dirty="0" err="1">
+                <a:latin typeface="Consolas" panose="020B0609020204030204" pitchFamily="49" charset="0"/>
+                <a:ea typeface="Calibri" panose="020F0502020204030204" pitchFamily="34" charset="0"/>
+                <a:cs typeface="Times New Roman" panose="02020603050405020304" pitchFamily="18" charset="0"/>
+              </a:rPr>
+              <a:t>mySet.getNext</a:t>
+            </a:r>
+            <a:r>
+              <a:rPr lang="en-US" sz="2000" dirty="0">
+                <a:latin typeface="Consolas" panose="020B0609020204030204" pitchFamily="49" charset="0"/>
+                <a:ea typeface="Calibri" panose="020F0502020204030204" pitchFamily="34" charset="0"/>
+                <a:cs typeface="Times New Roman" panose="02020603050405020304" pitchFamily="18" charset="0"/>
+              </a:rPr>
+              <a:t>()</a:t>
             </a:r>
           </a:p>
           <a:p>
@@ -23486,7 +23774,23 @@
                 <a:ea typeface="Calibri" panose="020F0502020204030204" pitchFamily="34" charset="0"/>
                 <a:cs typeface="Times New Roman" panose="02020603050405020304" pitchFamily="18" charset="0"/>
               </a:rPr>
-              <a:t>function isSubset(set1, set2) returns </a:t>
+              <a:t>function </a:t>
+            </a:r>
+            <a:r>
+              <a:rPr lang="en-US" sz="2000" dirty="0" err="1">
+                <a:latin typeface="Consolas" panose="020B0609020204030204" pitchFamily="49" charset="0"/>
+                <a:ea typeface="Calibri" panose="020F0502020204030204" pitchFamily="34" charset="0"/>
+                <a:cs typeface="Times New Roman" panose="02020603050405020304" pitchFamily="18" charset="0"/>
+              </a:rPr>
+              <a:t>isSubset</a:t>
+            </a:r>
+            <a:r>
+              <a:rPr lang="en-US" sz="2000" dirty="0">
+                <a:latin typeface="Consolas" panose="020B0609020204030204" pitchFamily="49" charset="0"/>
+                <a:ea typeface="Calibri" panose="020F0502020204030204" pitchFamily="34" charset="0"/>
+                <a:cs typeface="Times New Roman" panose="02020603050405020304" pitchFamily="18" charset="0"/>
+              </a:rPr>
+              <a:t>(set2) returns </a:t>
             </a:r>
             <a:r>
               <a:rPr lang="en-US" sz="2000" dirty="0" err="1">
@@ -23528,7 +23832,7 @@
                 <a:ea typeface="Calibri" panose="020F0502020204030204" pitchFamily="34" charset="0"/>
                 <a:cs typeface="Times New Roman" panose="02020603050405020304" pitchFamily="18" charset="0"/>
               </a:rPr>
-              <a:t>	set1.reset()</a:t>
+              <a:t>	set2.reset()</a:t>
             </a:r>
           </a:p>
           <a:p>
@@ -23557,7 +23861,7 @@
                 <a:ea typeface="Calibri" panose="020F0502020204030204" pitchFamily="34" charset="0"/>
                 <a:cs typeface="Times New Roman" panose="02020603050405020304" pitchFamily="18" charset="0"/>
               </a:rPr>
-              <a:t>	obj = set1.getNext()</a:t>
+              <a:t>	obj = set2.getNext()</a:t>
             </a:r>
           </a:p>
           <a:p>
@@ -23641,7 +23945,23 @@
                 <a:ea typeface="Calibri" panose="020F0502020204030204" pitchFamily="34" charset="0"/>
                 <a:cs typeface="Times New Roman" panose="02020603050405020304" pitchFamily="18" charset="0"/>
               </a:rPr>
-              <a:t>		if (! set2.contains(obj))</a:t>
+              <a:t>		if (!</a:t>
+            </a:r>
+            <a:r>
+              <a:rPr lang="en-US" sz="2000" dirty="0" err="1">
+                <a:latin typeface="Consolas" panose="020B0609020204030204" pitchFamily="49" charset="0"/>
+                <a:ea typeface="Calibri" panose="020F0502020204030204" pitchFamily="34" charset="0"/>
+                <a:cs typeface="Times New Roman" panose="02020603050405020304" pitchFamily="18" charset="0"/>
+              </a:rPr>
+              <a:t>mySet.contains</a:t>
+            </a:r>
+            <a:r>
+              <a:rPr lang="en-US" sz="2000" dirty="0">
+                <a:latin typeface="Consolas" panose="020B0609020204030204" pitchFamily="49" charset="0"/>
+                <a:ea typeface="Calibri" panose="020F0502020204030204" pitchFamily="34" charset="0"/>
+                <a:cs typeface="Times New Roman" panose="02020603050405020304" pitchFamily="18" charset="0"/>
+              </a:rPr>
+              <a:t>(obj))</a:t>
             </a:r>
           </a:p>
           <a:p>
@@ -23699,7 +24019,7 @@
                 <a:ea typeface="Calibri" panose="020F0502020204030204" pitchFamily="34" charset="0"/>
                 <a:cs typeface="Times New Roman" panose="02020603050405020304" pitchFamily="18" charset="0"/>
               </a:rPr>
-              <a:t>		obj = set1.getNext()</a:t>
+              <a:t>		obj = set2.getNext()</a:t>
             </a:r>
           </a:p>
           <a:p>
@@ -37048,18 +37368,18 @@
 </file>
 
 <file path=customXml/item1.xml><?xml version="1.0" encoding="utf-8"?>
+<p:properties xmlns:p="http://schemas.microsoft.com/office/2006/metadata/properties" xmlns:xsi="http://www.w3.org/2001/XMLSchema-instance" xmlns:pc="http://schemas.microsoft.com/office/infopath/2007/PartnerControls">
+  <documentManagement/>
+</p:properties>
+</file>
+
+<file path=customXml/item2.xml><?xml version="1.0" encoding="utf-8"?>
 <?mso-contentType ?>
 <FormTemplates xmlns="http://schemas.microsoft.com/sharepoint/v3/contenttype/forms">
   <Display>DocumentLibraryForm</Display>
   <Edit>DocumentLibraryForm</Edit>
   <New>DocumentLibraryForm</New>
 </FormTemplates>
-</file>
-
-<file path=customXml/item2.xml><?xml version="1.0" encoding="utf-8"?>
-<p:properties xmlns:p="http://schemas.microsoft.com/office/2006/metadata/properties" xmlns:xsi="http://www.w3.org/2001/XMLSchema-instance" xmlns:pc="http://schemas.microsoft.com/office/infopath/2007/PartnerControls">
-  <documentManagement/>
-</p:properties>
 </file>
 
 <file path=customXml/item3.xml><?xml version="1.0" encoding="utf-8"?>
@@ -37241,14 +37561,6 @@
 </file>
 
 <file path=customXml/itemProps1.xml><?xml version="1.0" encoding="utf-8"?>
-<ds:datastoreItem xmlns:ds="http://schemas.openxmlformats.org/officeDocument/2006/customXml" ds:itemID="{923228D6-D594-4907-8908-B39BE33AC58C}">
-  <ds:schemaRefs>
-    <ds:schemaRef ds:uri="http://schemas.microsoft.com/sharepoint/v3/contenttype/forms"/>
-  </ds:schemaRefs>
-</ds:datastoreItem>
-</file>
-
-<file path=customXml/itemProps2.xml><?xml version="1.0" encoding="utf-8"?>
 <ds:datastoreItem xmlns:ds="http://schemas.openxmlformats.org/officeDocument/2006/customXml" ds:itemID="{E36B5C00-A49D-4F91-89B2-E9D01A16B433}">
   <ds:schemaRefs>
     <ds:schemaRef ds:uri="http://schemas.microsoft.com/office/2006/documentManagement/types"/>
@@ -37260,6 +37572,14 @@
     <ds:schemaRef ds:uri="http://schemas.microsoft.com/office/infopath/2007/PartnerControls"/>
     <ds:schemaRef ds:uri="http://schemas.openxmlformats.org/package/2006/metadata/core-properties"/>
     <ds:schemaRef ds:uri="http://www.w3.org/XML/1998/namespace"/>
+  </ds:schemaRefs>
+</ds:datastoreItem>
+</file>
+
+<file path=customXml/itemProps2.xml><?xml version="1.0" encoding="utf-8"?>
+<ds:datastoreItem xmlns:ds="http://schemas.openxmlformats.org/officeDocument/2006/customXml" ds:itemID="{923228D6-D594-4907-8908-B39BE33AC58C}">
+  <ds:schemaRefs>
+    <ds:schemaRef ds:uri="http://schemas.microsoft.com/sharepoint/v3/contenttype/forms"/>
   </ds:schemaRefs>
 </ds:datastoreItem>
 </file>
